--- a/iot.pptx
+++ b/iot.pptx
@@ -5,15 +5,16 @@
     <p:sldMasterId id="2147483648" r:id="rId1"/>
   </p:sldMasterIdLst>
   <p:notesMasterIdLst>
-    <p:notesMasterId r:id="rId5"/>
+    <p:notesMasterId r:id="rId6"/>
   </p:notesMasterIdLst>
   <p:handoutMasterIdLst>
-    <p:handoutMasterId r:id="rId6"/>
+    <p:handoutMasterId r:id="rId7"/>
   </p:handoutMasterIdLst>
   <p:sldIdLst>
     <p:sldId id="594" r:id="rId2"/>
     <p:sldId id="595" r:id="rId3"/>
     <p:sldId id="596" r:id="rId4"/>
+    <p:sldId id="608" r:id="rId5"/>
   </p:sldIdLst>
   <p:sldSz cx="9144000" cy="6858000" type="screen4x3"/>
   <p:notesSz cx="7315200" cy="9601200"/>
@@ -2588,7 +2589,7 @@
           <a:p>
             <a:r>
               <a:rPr lang="en-US"/>
-              <a:t>Nộp bài tập trên goole drive. Deadline: 20/10</a:t>
+              <a:t>Nộp bài tập trên goole drive. Deadline: 22/10</a:t>
             </a:r>
             <a:endParaRPr lang="en-US">
               <a:solidFill>
@@ -2669,6 +2670,211 @@
     <p:extLst>
       <p:ext uri="{BB962C8B-B14F-4D97-AF65-F5344CB8AC3E}">
         <p14:creationId xmlns:p14="http://schemas.microsoft.com/office/powerpoint/2010/main" val="265949144"/>
+      </p:ext>
+    </p:extLst>
+  </p:cSld>
+  <p:clrMapOvr>
+    <a:masterClrMapping/>
+  </p:clrMapOvr>
+</p:sld>
+</file>
+
+<file path=ppt/slides/slide4.xml><?xml version="1.0" encoding="utf-8"?>
+<p:sld xmlns:a="http://schemas.openxmlformats.org/drawingml/2006/main" xmlns:r="http://schemas.openxmlformats.org/officeDocument/2006/relationships" xmlns:p="http://schemas.openxmlformats.org/presentationml/2006/main">
+  <p:cSld>
+    <p:spTree>
+      <p:nvGrpSpPr>
+        <p:cNvPr id="1" name=""/>
+        <p:cNvGrpSpPr/>
+        <p:nvPr/>
+      </p:nvGrpSpPr>
+      <p:grpSpPr>
+        <a:xfrm>
+          <a:off x="0" y="0"/>
+          <a:ext cx="0" cy="0"/>
+          <a:chOff x="0" y="0"/>
+          <a:chExt cx="0" cy="0"/>
+        </a:xfrm>
+      </p:grpSpPr>
+      <p:sp>
+        <p:nvSpPr>
+          <p:cNvPr id="2" name="Title 1">
+            <a:extLst>
+              <a:ext uri="{FF2B5EF4-FFF2-40B4-BE49-F238E27FC236}">
+                <a16:creationId xmlns:a16="http://schemas.microsoft.com/office/drawing/2014/main" id="{F04D2B75-B99C-4C97-A882-FE8CD1FE0C05}"/>
+              </a:ext>
+            </a:extLst>
+          </p:cNvPr>
+          <p:cNvSpPr>
+            <a:spLocks noGrp="1"/>
+          </p:cNvSpPr>
+          <p:nvPr>
+            <p:ph type="title"/>
+          </p:nvPr>
+        </p:nvSpPr>
+        <p:spPr/>
+        <p:txBody>
+          <a:bodyPr/>
+          <a:lstStyle/>
+          <a:p>
+            <a:r>
+              <a:rPr lang="en-US"/>
+              <a:t>Bài tập 3</a:t>
+            </a:r>
+          </a:p>
+        </p:txBody>
+      </p:sp>
+      <p:sp>
+        <p:nvSpPr>
+          <p:cNvPr id="3" name="Content Placeholder 2">
+            <a:extLst>
+              <a:ext uri="{FF2B5EF4-FFF2-40B4-BE49-F238E27FC236}">
+                <a16:creationId xmlns:a16="http://schemas.microsoft.com/office/drawing/2014/main" id="{82943F43-37B3-4097-856F-73AE9E060681}"/>
+              </a:ext>
+            </a:extLst>
+          </p:cNvPr>
+          <p:cNvSpPr>
+            <a:spLocks noGrp="1"/>
+          </p:cNvSpPr>
+          <p:nvPr>
+            <p:ph idx="1"/>
+          </p:nvPr>
+        </p:nvSpPr>
+        <p:spPr/>
+        <p:txBody>
+          <a:bodyPr>
+            <a:normAutofit/>
+          </a:bodyPr>
+          <a:lstStyle/>
+          <a:p>
+            <a:r>
+              <a:rPr lang="en-US"/>
+              <a:t>Viết một chương trình gửi/nhận dữ liệu qua RabbitMQ broker:</a:t>
+            </a:r>
+          </a:p>
+          <a:p>
+            <a:pPr lvl="1"/>
+            <a:r>
+              <a:rPr lang="en-US"/>
+              <a:t>Gửi (publish) dữ liệu lên RabbitMQ broker</a:t>
+            </a:r>
+          </a:p>
+          <a:p>
+            <a:pPr lvl="1"/>
+            <a:r>
+              <a:rPr lang="en-US"/>
+              <a:t>Nhận (subscribe) dữ liệu từ RabbitMQ broker</a:t>
+            </a:r>
+          </a:p>
+          <a:p>
+            <a:pPr lvl="1"/>
+            <a:r>
+              <a:rPr lang="en-US"/>
+              <a:t>Đóng gói dữ liệu bằng JSON. Ví dụ:</a:t>
+            </a:r>
+          </a:p>
+          <a:p>
+            <a:pPr marL="857250" lvl="2" indent="0">
+              <a:buNone/>
+            </a:pPr>
+            <a:r>
+              <a:rPr lang="en-US"/>
+              <a:t>{"id":11, "packet_no":126, "temperature":30,</a:t>
+            </a:r>
+          </a:p>
+          <a:p>
+            <a:pPr marL="857250" lvl="2" indent="0">
+              <a:buNone/>
+            </a:pPr>
+            <a:r>
+              <a:rPr lang="en-US"/>
+              <a:t>"humidity":60, "tds":1100, "pH":5.0}</a:t>
+            </a:r>
+          </a:p>
+          <a:p>
+            <a:r>
+              <a:rPr lang="en-US"/>
+              <a:t>Nộp bài tập trên goole drive. Deadline: 5/11</a:t>
+            </a:r>
+            <a:endParaRPr lang="en-US">
+              <a:solidFill>
+                <a:srgbClr val="2A00FF"/>
+              </a:solidFill>
+              <a:highlight>
+                <a:srgbClr val="E8F2FE"/>
+              </a:highlight>
+              <a:latin typeface="Consolas" panose="020B0609020204030204" pitchFamily="49" charset="0"/>
+            </a:endParaRPr>
+          </a:p>
+          <a:p>
+            <a:pPr lvl="1"/>
+            <a:endParaRPr lang="en-US"/>
+          </a:p>
+        </p:txBody>
+      </p:sp>
+      <p:sp>
+        <p:nvSpPr>
+          <p:cNvPr id="4" name="Footer Placeholder 3">
+            <a:extLst>
+              <a:ext uri="{FF2B5EF4-FFF2-40B4-BE49-F238E27FC236}">
+                <a16:creationId xmlns:a16="http://schemas.microsoft.com/office/drawing/2014/main" id="{8FCBF058-E619-445A-87DC-9944D40291A4}"/>
+              </a:ext>
+            </a:extLst>
+          </p:cNvPr>
+          <p:cNvSpPr>
+            <a:spLocks noGrp="1"/>
+          </p:cNvSpPr>
+          <p:nvPr>
+            <p:ph type="ftr" sz="quarter" idx="11"/>
+          </p:nvPr>
+        </p:nvSpPr>
+        <p:spPr/>
+        <p:txBody>
+          <a:bodyPr/>
+          <a:lstStyle/>
+          <a:p>
+            <a:r>
+              <a:rPr lang="en-US"/>
+              <a:t>IT4735 – IoT and Applications</a:t>
+            </a:r>
+            <a:endParaRPr lang="en-US" dirty="0"/>
+          </a:p>
+        </p:txBody>
+      </p:sp>
+      <p:sp>
+        <p:nvSpPr>
+          <p:cNvPr id="5" name="Slide Number Placeholder 4">
+            <a:extLst>
+              <a:ext uri="{FF2B5EF4-FFF2-40B4-BE49-F238E27FC236}">
+                <a16:creationId xmlns:a16="http://schemas.microsoft.com/office/drawing/2014/main" id="{25E5FD39-BBF6-4185-ADE3-581AC6F439FB}"/>
+              </a:ext>
+            </a:extLst>
+          </p:cNvPr>
+          <p:cNvSpPr>
+            <a:spLocks noGrp="1"/>
+          </p:cNvSpPr>
+          <p:nvPr>
+            <p:ph type="sldNum" sz="quarter" idx="12"/>
+          </p:nvPr>
+        </p:nvSpPr>
+        <p:spPr/>
+        <p:txBody>
+          <a:bodyPr/>
+          <a:lstStyle/>
+          <a:p>
+            <a:fld id="{8C13379D-D487-4446-85FC-E9ED5B8B80F6}" type="slidenum">
+              <a:rPr lang="en-US" smtClean="0"/>
+              <a:pPr/>
+              <a:t>4</a:t>
+            </a:fld>
+            <a:endParaRPr lang="en-US"/>
+          </a:p>
+        </p:txBody>
+      </p:sp>
+    </p:spTree>
+    <p:extLst>
+      <p:ext uri="{BB962C8B-B14F-4D97-AF65-F5344CB8AC3E}">
+        <p14:creationId xmlns:p14="http://schemas.microsoft.com/office/powerpoint/2010/main" val="3668513577"/>
       </p:ext>
     </p:extLst>
   </p:cSld>
